--- a/chapters/redesign/figures/item-after.pptx
+++ b/chapters/redesign/figures/item-after.pptx
@@ -104,6 +104,11 @@
       </a:defRPr>
     </a:lvl9pPr>
   </p:defaultTextStyle>
+  <p:extLst>
+    <p:ext uri="{EFAFB233-063F-42B5-8137-9DF3F51BA10A}">
+      <p15:sldGuideLst xmlns:p15="http://schemas.microsoft.com/office/powerpoint/2012/main"/>
+    </p:ext>
+  </p:extLst>
 </p:presentation>
 </file>
 
@@ -238,7 +243,7 @@
           <a:p>
             <a:fld id="{F0FCDAFF-7D85-3C42-9E3C-FE75A7AC331E}" type="datetimeFigureOut">
               <a:rPr lang="en-GB" smtClean="0"/>
-              <a:t>24/05/2023</a:t>
+              <a:t>24/06/2023</a:t>
             </a:fld>
             <a:endParaRPr lang="en-GB"/>
           </a:p>
@@ -408,7 +413,7 @@
           <a:p>
             <a:fld id="{F0FCDAFF-7D85-3C42-9E3C-FE75A7AC331E}" type="datetimeFigureOut">
               <a:rPr lang="en-GB" smtClean="0"/>
-              <a:t>24/05/2023</a:t>
+              <a:t>24/06/2023</a:t>
             </a:fld>
             <a:endParaRPr lang="en-GB"/>
           </a:p>
@@ -588,7 +593,7 @@
           <a:p>
             <a:fld id="{F0FCDAFF-7D85-3C42-9E3C-FE75A7AC331E}" type="datetimeFigureOut">
               <a:rPr lang="en-GB" smtClean="0"/>
-              <a:t>24/05/2023</a:t>
+              <a:t>24/06/2023</a:t>
             </a:fld>
             <a:endParaRPr lang="en-GB"/>
           </a:p>
@@ -758,7 +763,7 @@
           <a:p>
             <a:fld id="{F0FCDAFF-7D85-3C42-9E3C-FE75A7AC331E}" type="datetimeFigureOut">
               <a:rPr lang="en-GB" smtClean="0"/>
-              <a:t>24/05/2023</a:t>
+              <a:t>24/06/2023</a:t>
             </a:fld>
             <a:endParaRPr lang="en-GB"/>
           </a:p>
@@ -1002,7 +1007,7 @@
           <a:p>
             <a:fld id="{F0FCDAFF-7D85-3C42-9E3C-FE75A7AC331E}" type="datetimeFigureOut">
               <a:rPr lang="en-GB" smtClean="0"/>
-              <a:t>24/05/2023</a:t>
+              <a:t>24/06/2023</a:t>
             </a:fld>
             <a:endParaRPr lang="en-GB"/>
           </a:p>
@@ -1234,7 +1239,7 @@
           <a:p>
             <a:fld id="{F0FCDAFF-7D85-3C42-9E3C-FE75A7AC331E}" type="datetimeFigureOut">
               <a:rPr lang="en-GB" smtClean="0"/>
-              <a:t>24/05/2023</a:t>
+              <a:t>24/06/2023</a:t>
             </a:fld>
             <a:endParaRPr lang="en-GB"/>
           </a:p>
@@ -1601,7 +1606,7 @@
           <a:p>
             <a:fld id="{F0FCDAFF-7D85-3C42-9E3C-FE75A7AC331E}" type="datetimeFigureOut">
               <a:rPr lang="en-GB" smtClean="0"/>
-              <a:t>24/05/2023</a:t>
+              <a:t>24/06/2023</a:t>
             </a:fld>
             <a:endParaRPr lang="en-GB"/>
           </a:p>
@@ -1719,7 +1724,7 @@
           <a:p>
             <a:fld id="{F0FCDAFF-7D85-3C42-9E3C-FE75A7AC331E}" type="datetimeFigureOut">
               <a:rPr lang="en-GB" smtClean="0"/>
-              <a:t>24/05/2023</a:t>
+              <a:t>24/06/2023</a:t>
             </a:fld>
             <a:endParaRPr lang="en-GB"/>
           </a:p>
@@ -1814,7 +1819,7 @@
           <a:p>
             <a:fld id="{F0FCDAFF-7D85-3C42-9E3C-FE75A7AC331E}" type="datetimeFigureOut">
               <a:rPr lang="en-GB" smtClean="0"/>
-              <a:t>24/05/2023</a:t>
+              <a:t>24/06/2023</a:t>
             </a:fld>
             <a:endParaRPr lang="en-GB"/>
           </a:p>
@@ -2091,7 +2096,7 @@
           <a:p>
             <a:fld id="{F0FCDAFF-7D85-3C42-9E3C-FE75A7AC331E}" type="datetimeFigureOut">
               <a:rPr lang="en-GB" smtClean="0"/>
-              <a:t>24/05/2023</a:t>
+              <a:t>24/06/2023</a:t>
             </a:fld>
             <a:endParaRPr lang="en-GB"/>
           </a:p>
@@ -2348,7 +2353,7 @@
           <a:p>
             <a:fld id="{F0FCDAFF-7D85-3C42-9E3C-FE75A7AC331E}" type="datetimeFigureOut">
               <a:rPr lang="en-GB" smtClean="0"/>
-              <a:t>24/05/2023</a:t>
+              <a:t>24/06/2023</a:t>
             </a:fld>
             <a:endParaRPr lang="en-GB"/>
           </a:p>
@@ -2561,7 +2566,7 @@
           <a:p>
             <a:fld id="{F0FCDAFF-7D85-3C42-9E3C-FE75A7AC331E}" type="datetimeFigureOut">
               <a:rPr lang="en-GB" smtClean="0"/>
-              <a:t>24/05/2023</a:t>
+              <a:t>24/06/2023</a:t>
             </a:fld>
             <a:endParaRPr lang="en-GB"/>
           </a:p>
@@ -2994,6 +2999,9 @@
           <a:prstGeom prst="rect">
             <a:avLst/>
           </a:prstGeom>
+          <a:ln>
+            <a:noFill/>
+          </a:ln>
         </p:spPr>
       </p:pic>
       <p:sp>
@@ -3126,7 +3134,7 @@
           <a:noFill/>
           <a:ln w="9525" cap="flat" cmpd="sng" algn="ctr">
             <a:solidFill>
-              <a:schemeClr val="accent1"/>
+              <a:srgbClr val="00B050"/>
             </a:solidFill>
             <a:prstDash val="solid"/>
             <a:round/>
@@ -3178,10 +3186,12 @@
             <a:avLst/>
           </a:prstGeom>
           <a:solidFill>
-            <a:schemeClr val="accent1"/>
+            <a:srgbClr val="00B050"/>
           </a:solidFill>
           <a:ln>
-            <a:noFill/>
+            <a:solidFill>
+              <a:srgbClr val="00B050"/>
+            </a:solidFill>
           </a:ln>
         </p:spPr>
         <p:style>
@@ -3233,7 +3243,7 @@
           <a:noFill/>
           <a:ln w="9525" cap="flat" cmpd="sng" algn="ctr">
             <a:solidFill>
-              <a:schemeClr val="accent1"/>
+              <a:srgbClr val="FF0000"/>
             </a:solidFill>
             <a:prstDash val="solid"/>
             <a:round/>
@@ -3285,10 +3295,12 @@
             <a:avLst/>
           </a:prstGeom>
           <a:solidFill>
-            <a:schemeClr val="accent1"/>
+            <a:srgbClr val="FF0000"/>
           </a:solidFill>
           <a:ln>
-            <a:noFill/>
+            <a:solidFill>
+              <a:srgbClr val="FF0000"/>
+            </a:solidFill>
           </a:ln>
         </p:spPr>
         <p:style>
@@ -3340,7 +3352,7 @@
           <a:noFill/>
           <a:ln w="9525" cap="flat" cmpd="sng" algn="ctr">
             <a:solidFill>
-              <a:schemeClr val="accent1"/>
+              <a:srgbClr val="FFC000"/>
             </a:solidFill>
             <a:prstDash val="solid"/>
             <a:round/>
@@ -3392,7 +3404,7 @@
             <a:avLst/>
           </a:prstGeom>
           <a:solidFill>
-            <a:schemeClr val="accent1"/>
+            <a:srgbClr val="FFC000"/>
           </a:solidFill>
           <a:ln>
             <a:noFill/>
